--- a/docs/pygram_screenshots.pptx
+++ b/docs/pygram_screenshots.pptx
@@ -312,7 +312,7 @@
           <a:p>
             <a:fld id="{43F28906-8731-442D-B4D6-C3AEDD29DFC1}" type="datetimeFigureOut">
               <a:rPr lang="en-US" smtClean="0"/>
-              <a:t>02-Apr-20</a:t>
+              <a:t>4/15/2020</a:t>
             </a:fld>
             <a:endParaRPr lang="en-US"/>
           </a:p>
@@ -475,7 +475,7 @@
           <a:p>
             <a:fld id="{43F28906-8731-442D-B4D6-C3AEDD29DFC1}" type="datetimeFigureOut">
               <a:rPr lang="en-US" smtClean="0"/>
-              <a:t>02-Apr-20</a:t>
+              <a:t>4/15/2020</a:t>
             </a:fld>
             <a:endParaRPr lang="en-US"/>
           </a:p>
@@ -648,7 +648,7 @@
           <a:p>
             <a:fld id="{43F28906-8731-442D-B4D6-C3AEDD29DFC1}" type="datetimeFigureOut">
               <a:rPr lang="en-US" smtClean="0"/>
-              <a:t>02-Apr-20</a:t>
+              <a:t>4/15/2020</a:t>
             </a:fld>
             <a:endParaRPr lang="en-US"/>
           </a:p>
@@ -811,7 +811,7 @@
           <a:p>
             <a:fld id="{43F28906-8731-442D-B4D6-C3AEDD29DFC1}" type="datetimeFigureOut">
               <a:rPr lang="en-US" smtClean="0"/>
-              <a:t>02-Apr-20</a:t>
+              <a:t>4/15/2020</a:t>
             </a:fld>
             <a:endParaRPr lang="en-US"/>
           </a:p>
@@ -1051,7 +1051,7 @@
           <a:p>
             <a:fld id="{43F28906-8731-442D-B4D6-C3AEDD29DFC1}" type="datetimeFigureOut">
               <a:rPr lang="en-US" smtClean="0"/>
-              <a:t>02-Apr-20</a:t>
+              <a:t>4/15/2020</a:t>
             </a:fld>
             <a:endParaRPr lang="en-US"/>
           </a:p>
@@ -1331,7 +1331,7 @@
           <a:p>
             <a:fld id="{43F28906-8731-442D-B4D6-C3AEDD29DFC1}" type="datetimeFigureOut">
               <a:rPr lang="en-US" smtClean="0"/>
-              <a:t>02-Apr-20</a:t>
+              <a:t>4/15/2020</a:t>
             </a:fld>
             <a:endParaRPr lang="en-US"/>
           </a:p>
@@ -1745,7 +1745,7 @@
           <a:p>
             <a:fld id="{43F28906-8731-442D-B4D6-C3AEDD29DFC1}" type="datetimeFigureOut">
               <a:rPr lang="en-US" smtClean="0"/>
-              <a:t>02-Apr-20</a:t>
+              <a:t>4/15/2020</a:t>
             </a:fld>
             <a:endParaRPr lang="en-US"/>
           </a:p>
@@ -1857,7 +1857,7 @@
           <a:p>
             <a:fld id="{43F28906-8731-442D-B4D6-C3AEDD29DFC1}" type="datetimeFigureOut">
               <a:rPr lang="en-US" smtClean="0"/>
-              <a:t>02-Apr-20</a:t>
+              <a:t>4/15/2020</a:t>
             </a:fld>
             <a:endParaRPr lang="en-US"/>
           </a:p>
@@ -1947,7 +1947,7 @@
           <a:p>
             <a:fld id="{43F28906-8731-442D-B4D6-C3AEDD29DFC1}" type="datetimeFigureOut">
               <a:rPr lang="en-US" smtClean="0"/>
-              <a:t>02-Apr-20</a:t>
+              <a:t>4/15/2020</a:t>
             </a:fld>
             <a:endParaRPr lang="en-US"/>
           </a:p>
@@ -2217,7 +2217,7 @@
           <a:p>
             <a:fld id="{43F28906-8731-442D-B4D6-C3AEDD29DFC1}" type="datetimeFigureOut">
               <a:rPr lang="en-US" smtClean="0"/>
-              <a:t>02-Apr-20</a:t>
+              <a:t>4/15/2020</a:t>
             </a:fld>
             <a:endParaRPr lang="en-US"/>
           </a:p>
@@ -2464,7 +2464,7 @@
           <a:p>
             <a:fld id="{43F28906-8731-442D-B4D6-C3AEDD29DFC1}" type="datetimeFigureOut">
               <a:rPr lang="en-US" smtClean="0"/>
-              <a:t>02-Apr-20</a:t>
+              <a:t>4/15/2020</a:t>
             </a:fld>
             <a:endParaRPr lang="en-US"/>
           </a:p>
@@ -2670,7 +2670,7 @@
           <a:p>
             <a:fld id="{43F28906-8731-442D-B4D6-C3AEDD29DFC1}" type="datetimeFigureOut">
               <a:rPr lang="en-US" smtClean="0"/>
-              <a:t>02-Apr-20</a:t>
+              <a:t>4/15/2020</a:t>
             </a:fld>
             <a:endParaRPr lang="en-US"/>
           </a:p>
